--- a/Week 1/Classes/Clase1-2.pptx
+++ b/Week 1/Classes/Clase1-2.pptx
@@ -5,7 +5,7 @@
     <p:sldMasterId id="2147483648" r:id="rId1"/>
   </p:sldMasterIdLst>
   <p:notesMasterIdLst>
-    <p:notesMasterId r:id="rId31"/>
+    <p:notesMasterId r:id="rId32"/>
   </p:notesMasterIdLst>
   <p:sldIdLst>
     <p:sldId id="256" r:id="rId2"/>
@@ -37,6 +37,7 @@
     <p:sldId id="286" r:id="rId28"/>
     <p:sldId id="263" r:id="rId29"/>
     <p:sldId id="264" r:id="rId30"/>
+    <p:sldId id="287" r:id="rId31"/>
   </p:sldIdLst>
   <p:sldSz cx="12192000" cy="6858000"/>
   <p:notesSz cx="6858000" cy="9144000"/>
@@ -948,8 +949,32 @@
         <a:lstStyle/>
         <a:p>
           <a:r>
-            <a:rPr lang="en-US"/>
-            <a:t>PhD en lingüística hispánica – UF</a:t>
+            <a:rPr lang="en-US" dirty="0"/>
+            <a:t>PhD </a:t>
+          </a:r>
+          <a:r>
+            <a:rPr lang="en-US" dirty="0" err="1"/>
+            <a:t>en</a:t>
+          </a:r>
+          <a:r>
+            <a:rPr lang="en-US" dirty="0"/>
+            <a:t> </a:t>
+          </a:r>
+          <a:r>
+            <a:rPr lang="en-US" dirty="0" err="1"/>
+            <a:t>lingüística</a:t>
+          </a:r>
+          <a:r>
+            <a:rPr lang="en-US" dirty="0"/>
+            <a:t> </a:t>
+          </a:r>
+          <a:r>
+            <a:rPr lang="en-US" dirty="0" err="1"/>
+            <a:t>hispánica</a:t>
+          </a:r>
+          <a:r>
+            <a:rPr lang="en-US" dirty="0"/>
+            <a:t> – UF</a:t>
           </a:r>
         </a:p>
       </dgm:t>
@@ -1561,8 +1586,32 @@
             <a:buNone/>
           </a:pPr>
           <a:r>
-            <a:rPr lang="en-US" sz="1100" kern="1200"/>
-            <a:t>PhD en lingüística hispánica – UF</a:t>
+            <a:rPr lang="en-US" sz="1100" kern="1200" dirty="0"/>
+            <a:t>PhD </a:t>
+          </a:r>
+          <a:r>
+            <a:rPr lang="en-US" sz="1100" kern="1200" dirty="0" err="1"/>
+            <a:t>en</a:t>
+          </a:r>
+          <a:r>
+            <a:rPr lang="en-US" sz="1100" kern="1200" dirty="0"/>
+            <a:t> </a:t>
+          </a:r>
+          <a:r>
+            <a:rPr lang="en-US" sz="1100" kern="1200" dirty="0" err="1"/>
+            <a:t>lingüística</a:t>
+          </a:r>
+          <a:r>
+            <a:rPr lang="en-US" sz="1100" kern="1200" dirty="0"/>
+            <a:t> </a:t>
+          </a:r>
+          <a:r>
+            <a:rPr lang="en-US" sz="1100" kern="1200" dirty="0" err="1"/>
+            <a:t>hispánica</a:t>
+          </a:r>
+          <a:r>
+            <a:rPr lang="en-US" sz="1100" kern="1200" dirty="0"/>
+            <a:t> – UF</a:t>
           </a:r>
         </a:p>
       </dsp:txBody>
@@ -3891,7 +3940,7 @@
           <a:p>
             <a:fld id="{FC10E581-DF54-4BF2-9FC9-848CDF726120}" type="datetimeFigureOut">
               <a:rPr lang="en-US" smtClean="0"/>
-              <a:t>6/25/2021</a:t>
+              <a:t>6/30/2021</a:t>
             </a:fld>
             <a:endParaRPr lang="en-US"/>
           </a:p>
@@ -4689,7 +4738,7 @@
           <a:p>
             <a:fld id="{846B8663-A2F6-4CCF-8E2D-6D9C07D0C456}" type="datetimeFigureOut">
               <a:rPr lang="en-US" smtClean="0"/>
-              <a:t>6/25/2021</a:t>
+              <a:t>6/30/2021</a:t>
             </a:fld>
             <a:endParaRPr lang="en-US"/>
           </a:p>
@@ -4887,7 +4936,7 @@
           <a:p>
             <a:fld id="{846B8663-A2F6-4CCF-8E2D-6D9C07D0C456}" type="datetimeFigureOut">
               <a:rPr lang="en-US" smtClean="0"/>
-              <a:t>6/25/2021</a:t>
+              <a:t>6/30/2021</a:t>
             </a:fld>
             <a:endParaRPr lang="en-US"/>
           </a:p>
@@ -5095,7 +5144,7 @@
           <a:p>
             <a:fld id="{846B8663-A2F6-4CCF-8E2D-6D9C07D0C456}" type="datetimeFigureOut">
               <a:rPr lang="en-US" smtClean="0"/>
-              <a:t>6/25/2021</a:t>
+              <a:t>6/30/2021</a:t>
             </a:fld>
             <a:endParaRPr lang="en-US"/>
           </a:p>
@@ -5293,7 +5342,7 @@
           <a:p>
             <a:fld id="{846B8663-A2F6-4CCF-8E2D-6D9C07D0C456}" type="datetimeFigureOut">
               <a:rPr lang="en-US" smtClean="0"/>
-              <a:t>6/25/2021</a:t>
+              <a:t>6/30/2021</a:t>
             </a:fld>
             <a:endParaRPr lang="en-US"/>
           </a:p>
@@ -5568,7 +5617,7 @@
           <a:p>
             <a:fld id="{846B8663-A2F6-4CCF-8E2D-6D9C07D0C456}" type="datetimeFigureOut">
               <a:rPr lang="en-US" smtClean="0"/>
-              <a:t>6/25/2021</a:t>
+              <a:t>6/30/2021</a:t>
             </a:fld>
             <a:endParaRPr lang="en-US"/>
           </a:p>
@@ -5833,7 +5882,7 @@
           <a:p>
             <a:fld id="{846B8663-A2F6-4CCF-8E2D-6D9C07D0C456}" type="datetimeFigureOut">
               <a:rPr lang="en-US" smtClean="0"/>
-              <a:t>6/25/2021</a:t>
+              <a:t>6/30/2021</a:t>
             </a:fld>
             <a:endParaRPr lang="en-US"/>
           </a:p>
@@ -6245,7 +6294,7 @@
           <a:p>
             <a:fld id="{846B8663-A2F6-4CCF-8E2D-6D9C07D0C456}" type="datetimeFigureOut">
               <a:rPr lang="en-US" smtClean="0"/>
-              <a:t>6/25/2021</a:t>
+              <a:t>6/30/2021</a:t>
             </a:fld>
             <a:endParaRPr lang="en-US"/>
           </a:p>
@@ -6386,7 +6435,7 @@
           <a:p>
             <a:fld id="{846B8663-A2F6-4CCF-8E2D-6D9C07D0C456}" type="datetimeFigureOut">
               <a:rPr lang="en-US" smtClean="0"/>
-              <a:t>6/25/2021</a:t>
+              <a:t>6/30/2021</a:t>
             </a:fld>
             <a:endParaRPr lang="en-US"/>
           </a:p>
@@ -6499,7 +6548,7 @@
           <a:p>
             <a:fld id="{846B8663-A2F6-4CCF-8E2D-6D9C07D0C456}" type="datetimeFigureOut">
               <a:rPr lang="en-US" smtClean="0"/>
-              <a:t>6/25/2021</a:t>
+              <a:t>6/30/2021</a:t>
             </a:fld>
             <a:endParaRPr lang="en-US"/>
           </a:p>
@@ -6810,7 +6859,7 @@
           <a:p>
             <a:fld id="{846B8663-A2F6-4CCF-8E2D-6D9C07D0C456}" type="datetimeFigureOut">
               <a:rPr lang="en-US" smtClean="0"/>
-              <a:t>6/25/2021</a:t>
+              <a:t>6/30/2021</a:t>
             </a:fld>
             <a:endParaRPr lang="en-US"/>
           </a:p>
@@ -7098,7 +7147,7 @@
           <a:p>
             <a:fld id="{846B8663-A2F6-4CCF-8E2D-6D9C07D0C456}" type="datetimeFigureOut">
               <a:rPr lang="en-US" smtClean="0"/>
-              <a:t>6/25/2021</a:t>
+              <a:t>6/30/2021</a:t>
             </a:fld>
             <a:endParaRPr lang="en-US"/>
           </a:p>
@@ -7339,7 +7388,7 @@
           <a:p>
             <a:fld id="{846B8663-A2F6-4CCF-8E2D-6D9C07D0C456}" type="datetimeFigureOut">
               <a:rPr lang="en-US" smtClean="0"/>
-              <a:t>6/25/2021</a:t>
+              <a:t>6/30/2021</a:t>
             </a:fld>
             <a:endParaRPr lang="en-US"/>
           </a:p>
@@ -9562,7 +9611,7 @@
             </a:pPr>
             <a:r>
               <a:rPr lang="es-CO" dirty="0"/>
-              <a:t>Buscar, filtrar, borrar, buscar, insertar, </a:t>
+              <a:t>Buscar, filtrar, borrar, insertar, </a:t>
             </a:r>
             <a:r>
               <a:rPr lang="es-CO" dirty="0" err="1"/>
@@ -9738,7 +9787,7 @@
             </a:r>
             <a:r>
               <a:rPr lang="en-US" dirty="0"/>
-              <a:t>'s/[      ]\+/\n/g'</a:t>
+              <a:t>'s/[      ]\+/  \n  /g'</a:t>
             </a:r>
             <a:r>
               <a:rPr lang="es-CO" dirty="0"/>
@@ -14526,7 +14575,15 @@
             </a:pPr>
             <a:r>
               <a:rPr lang="es-CO" dirty="0"/>
-              <a:t>4. Escoge cualquier tipo de afijo gramática o léxico que te interese. ¿Cuántas veces lo utilizaron los estudiantes?</a:t>
+              <a:t>4. Escoge cualquier tipo de afijo </a:t>
+            </a:r>
+            <a:r>
+              <a:rPr lang="es-CO" dirty="0" err="1"/>
+              <a:t>gramátical</a:t>
+            </a:r>
+            <a:r>
+              <a:rPr lang="es-CO" dirty="0"/>
+              <a:t> o léxico que te interese. ¿Cuántas veces lo utilizaron los estudiantes?</a:t>
             </a:r>
           </a:p>
           <a:p>
@@ -14642,10 +14699,10 @@
           <a:lstStyle/>
           <a:p>
             <a:r>
-              <a:rPr lang="es-CO"/>
+              <a:rPr lang="es-CO" dirty="0"/>
               <a:t>Próxima clase</a:t>
             </a:r>
-            <a:endParaRPr lang="en-US"/>
+            <a:endParaRPr lang="en-US" dirty="0"/>
           </a:p>
         </p:txBody>
       </p:sp>
@@ -14929,6 +14986,105 @@
     <p:extLst>
       <p:ext uri="{BB962C8B-B14F-4D97-AF65-F5344CB8AC3E}">
         <p14:creationId xmlns:p14="http://schemas.microsoft.com/office/powerpoint/2010/main" val="2034422091"/>
+      </p:ext>
+    </p:extLst>
+  </p:cSld>
+  <p:clrMapOvr>
+    <a:masterClrMapping/>
+  </p:clrMapOvr>
+</p:sld>
+</file>
+
+<file path=ppt/slides/slide30.xml><?xml version="1.0" encoding="utf-8"?>
+<p:sld xmlns:a="http://schemas.openxmlformats.org/drawingml/2006/main" xmlns:r="http://schemas.openxmlformats.org/officeDocument/2006/relationships" xmlns:p="http://schemas.openxmlformats.org/presentationml/2006/main">
+  <p:cSld>
+    <p:spTree>
+      <p:nvGrpSpPr>
+        <p:cNvPr id="1" name=""/>
+        <p:cNvGrpSpPr/>
+        <p:nvPr/>
+      </p:nvGrpSpPr>
+      <p:grpSpPr>
+        <a:xfrm>
+          <a:off x="0" y="0"/>
+          <a:ext cx="0" cy="0"/>
+          <a:chOff x="0" y="0"/>
+          <a:chExt cx="0" cy="0"/>
+        </a:xfrm>
+      </p:grpSpPr>
+      <p:sp>
+        <p:nvSpPr>
+          <p:cNvPr id="2" name="Title 1">
+            <a:extLst>
+              <a:ext uri="{FF2B5EF4-FFF2-40B4-BE49-F238E27FC236}">
+                <a16:creationId xmlns:a16="http://schemas.microsoft.com/office/drawing/2014/main" id="{070FEE65-D5A9-4884-B477-F656466B15FD}"/>
+              </a:ext>
+            </a:extLst>
+          </p:cNvPr>
+          <p:cNvSpPr>
+            <a:spLocks noGrp="1"/>
+          </p:cNvSpPr>
+          <p:nvPr>
+            <p:ph type="title"/>
+          </p:nvPr>
+        </p:nvSpPr>
+        <p:spPr/>
+        <p:txBody>
+          <a:bodyPr/>
+          <a:lstStyle/>
+          <a:p>
+            <a:r>
+              <a:rPr lang="es-CO" dirty="0"/>
+              <a:t>Propuesta</a:t>
+            </a:r>
+            <a:endParaRPr lang="en-US" dirty="0"/>
+          </a:p>
+        </p:txBody>
+      </p:sp>
+      <p:sp>
+        <p:nvSpPr>
+          <p:cNvPr id="3" name="Content Placeholder 2">
+            <a:extLst>
+              <a:ext uri="{FF2B5EF4-FFF2-40B4-BE49-F238E27FC236}">
+                <a16:creationId xmlns:a16="http://schemas.microsoft.com/office/drawing/2014/main" id="{791A5335-DCF8-473F-B0F0-D0431305B2B1}"/>
+              </a:ext>
+            </a:extLst>
+          </p:cNvPr>
+          <p:cNvSpPr>
+            <a:spLocks noGrp="1"/>
+          </p:cNvSpPr>
+          <p:nvPr>
+            <p:ph idx="1"/>
+          </p:nvPr>
+        </p:nvSpPr>
+        <p:spPr/>
+        <p:txBody>
+          <a:bodyPr/>
+          <a:lstStyle/>
+          <a:p>
+            <a:pPr marL="0" indent="0">
+              <a:buNone/>
+            </a:pPr>
+            <a:r>
+              <a:rPr lang="en-US" dirty="0"/>
+              <a:t>– tutorial </a:t>
+            </a:r>
+          </a:p>
+          <a:p>
+            <a:pPr marL="0" indent="0">
+              <a:buNone/>
+            </a:pPr>
+            <a:r>
+              <a:rPr lang="en-US" dirty="0"/>
+              <a:t>Python </a:t>
+            </a:r>
+          </a:p>
+        </p:txBody>
+      </p:sp>
+    </p:spTree>
+    <p:extLst>
+      <p:ext uri="{BB962C8B-B14F-4D97-AF65-F5344CB8AC3E}">
+        <p14:creationId xmlns:p14="http://schemas.microsoft.com/office/powerpoint/2010/main" val="4253363840"/>
       </p:ext>
     </p:extLst>
   </p:cSld>
